--- a/src/Assets/ab.pptx
+++ b/src/Assets/ab.pptx
@@ -259,7 +259,7 @@
           <a:p>
             <a:fld id="{50BA22C5-D6AC-4774-BAE9-52CC86515EC6}" type="datetimeFigureOut">
               <a:rPr lang="en-US" smtClean="0"/>
-              <a:t>14/06/2024</a:t>
+              <a:t>27/06/2024</a:t>
             </a:fld>
             <a:endParaRPr lang="en-US"/>
           </a:p>
@@ -457,7 +457,7 @@
           <a:p>
             <a:fld id="{50BA22C5-D6AC-4774-BAE9-52CC86515EC6}" type="datetimeFigureOut">
               <a:rPr lang="en-US" smtClean="0"/>
-              <a:t>14/06/2024</a:t>
+              <a:t>27/06/2024</a:t>
             </a:fld>
             <a:endParaRPr lang="en-US"/>
           </a:p>
@@ -665,7 +665,7 @@
           <a:p>
             <a:fld id="{50BA22C5-D6AC-4774-BAE9-52CC86515EC6}" type="datetimeFigureOut">
               <a:rPr lang="en-US" smtClean="0"/>
-              <a:t>14/06/2024</a:t>
+              <a:t>27/06/2024</a:t>
             </a:fld>
             <a:endParaRPr lang="en-US"/>
           </a:p>
@@ -863,7 +863,7 @@
           <a:p>
             <a:fld id="{50BA22C5-D6AC-4774-BAE9-52CC86515EC6}" type="datetimeFigureOut">
               <a:rPr lang="en-US" smtClean="0"/>
-              <a:t>14/06/2024</a:t>
+              <a:t>27/06/2024</a:t>
             </a:fld>
             <a:endParaRPr lang="en-US"/>
           </a:p>
@@ -1138,7 +1138,7 @@
           <a:p>
             <a:fld id="{50BA22C5-D6AC-4774-BAE9-52CC86515EC6}" type="datetimeFigureOut">
               <a:rPr lang="en-US" smtClean="0"/>
-              <a:t>14/06/2024</a:t>
+              <a:t>27/06/2024</a:t>
             </a:fld>
             <a:endParaRPr lang="en-US"/>
           </a:p>
@@ -1403,7 +1403,7 @@
           <a:p>
             <a:fld id="{50BA22C5-D6AC-4774-BAE9-52CC86515EC6}" type="datetimeFigureOut">
               <a:rPr lang="en-US" smtClean="0"/>
-              <a:t>14/06/2024</a:t>
+              <a:t>27/06/2024</a:t>
             </a:fld>
             <a:endParaRPr lang="en-US"/>
           </a:p>
@@ -1815,7 +1815,7 @@
           <a:p>
             <a:fld id="{50BA22C5-D6AC-4774-BAE9-52CC86515EC6}" type="datetimeFigureOut">
               <a:rPr lang="en-US" smtClean="0"/>
-              <a:t>14/06/2024</a:t>
+              <a:t>27/06/2024</a:t>
             </a:fld>
             <a:endParaRPr lang="en-US"/>
           </a:p>
@@ -1956,7 +1956,7 @@
           <a:p>
             <a:fld id="{50BA22C5-D6AC-4774-BAE9-52CC86515EC6}" type="datetimeFigureOut">
               <a:rPr lang="en-US" smtClean="0"/>
-              <a:t>14/06/2024</a:t>
+              <a:t>27/06/2024</a:t>
             </a:fld>
             <a:endParaRPr lang="en-US"/>
           </a:p>
@@ -2069,7 +2069,7 @@
           <a:p>
             <a:fld id="{50BA22C5-D6AC-4774-BAE9-52CC86515EC6}" type="datetimeFigureOut">
               <a:rPr lang="en-US" smtClean="0"/>
-              <a:t>14/06/2024</a:t>
+              <a:t>27/06/2024</a:t>
             </a:fld>
             <a:endParaRPr lang="en-US"/>
           </a:p>
@@ -2380,7 +2380,7 @@
           <a:p>
             <a:fld id="{50BA22C5-D6AC-4774-BAE9-52CC86515EC6}" type="datetimeFigureOut">
               <a:rPr lang="en-US" smtClean="0"/>
-              <a:t>14/06/2024</a:t>
+              <a:t>27/06/2024</a:t>
             </a:fld>
             <a:endParaRPr lang="en-US"/>
           </a:p>
@@ -2668,7 +2668,7 @@
           <a:p>
             <a:fld id="{50BA22C5-D6AC-4774-BAE9-52CC86515EC6}" type="datetimeFigureOut">
               <a:rPr lang="en-US" smtClean="0"/>
-              <a:t>14/06/2024</a:t>
+              <a:t>27/06/2024</a:t>
             </a:fld>
             <a:endParaRPr lang="en-US"/>
           </a:p>
@@ -2909,7 +2909,7 @@
           <a:p>
             <a:fld id="{50BA22C5-D6AC-4774-BAE9-52CC86515EC6}" type="datetimeFigureOut">
               <a:rPr lang="en-US" smtClean="0"/>
-              <a:t>14/06/2024</a:t>
+              <a:t>27/06/2024</a:t>
             </a:fld>
             <a:endParaRPr lang="en-US"/>
           </a:p>
@@ -3326,102 +3326,6 @@
           <a:chExt cx="0" cy="0"/>
         </a:xfrm>
       </p:grpSpPr>
-      <p:sp>
-        <p:nvSpPr>
-          <p:cNvPr id="7" name="TextBox 6">
-            <a:extLst>
-              <a:ext uri="{FF2B5EF4-FFF2-40B4-BE49-F238E27FC236}">
-                <a16:creationId xmlns:a16="http://schemas.microsoft.com/office/drawing/2014/main" id="{211ECF67-C42F-EFD7-C0BE-C3B1230E5CA9}"/>
-              </a:ext>
-            </a:extLst>
-          </p:cNvPr>
-          <p:cNvSpPr txBox="1"/>
-          <p:nvPr/>
-        </p:nvSpPr>
-        <p:spPr>
-          <a:xfrm>
-            <a:off x="2479732" y="1651277"/>
-            <a:ext cx="2557087" cy="1477328"/>
-          </a:xfrm>
-          <a:prstGeom prst="rect">
-            <a:avLst/>
-          </a:prstGeom>
-          <a:noFill/>
-        </p:spPr>
-        <p:txBody>
-          <a:bodyPr wrap="square">
-            <a:spAutoFit/>
-          </a:bodyPr>
-          <a:lstStyle/>
-          <a:p>
-            <a:pPr algn="ctr"/>
-            <a:r>
-              <a:rPr lang="en-US"/>
-              <a:t>t  h  i  e  n  p  h  u  c</a:t>
-            </a:r>
-          </a:p>
-          <a:p>
-            <a:pPr algn="ctr"/>
-            <a:r>
-              <a:rPr lang="en-US"/>
-              <a:t>1  1  1  1  1  1  1  1  1</a:t>
-            </a:r>
-          </a:p>
-          <a:p>
-            <a:pPr algn="ctr"/>
-            <a:r>
-              <a:rPr lang="en-US"/>
-              <a:t>2  2  2  2  2  2  2  2  2</a:t>
-            </a:r>
-          </a:p>
-          <a:p>
-            <a:pPr algn="ctr"/>
-            <a:r>
-              <a:rPr lang="en-US"/>
-              <a:t>3  3  3  3  3  3  3  3  3</a:t>
-            </a:r>
-          </a:p>
-          <a:p>
-            <a:pPr algn="ctr"/>
-            <a:endParaRPr lang="en-US"/>
-          </a:p>
-        </p:txBody>
-      </p:sp>
-      <p:sp>
-        <p:nvSpPr>
-          <p:cNvPr id="8" name="TextBox 7">
-            <a:extLst>
-              <a:ext uri="{FF2B5EF4-FFF2-40B4-BE49-F238E27FC236}">
-                <a16:creationId xmlns:a16="http://schemas.microsoft.com/office/drawing/2014/main" id="{3B47F52D-FFB2-0BA6-1D3A-F03831C0F52C}"/>
-              </a:ext>
-            </a:extLst>
-          </p:cNvPr>
-          <p:cNvSpPr txBox="1"/>
-          <p:nvPr/>
-        </p:nvSpPr>
-        <p:spPr>
-          <a:xfrm>
-            <a:off x="2479731" y="1782710"/>
-            <a:ext cx="477058" cy="369332"/>
-          </a:xfrm>
-          <a:prstGeom prst="rect">
-            <a:avLst/>
-          </a:prstGeom>
-          <a:noFill/>
-        </p:spPr>
-        <p:txBody>
-          <a:bodyPr wrap="square" rtlCol="0">
-            <a:spAutoFit/>
-          </a:bodyPr>
-          <a:lstStyle/>
-          <a:p>
-            <a:r>
-              <a:rPr lang="en-US"/>
-              <a:t>^</a:t>
-            </a:r>
-          </a:p>
-        </p:txBody>
-      </p:sp>
       <p:cxnSp>
         <p:nvCxnSpPr>
           <p:cNvPr id="10" name="Straight Connector 9">
@@ -3431,13 +3335,15 @@
               </a:ext>
             </a:extLst>
           </p:cNvPr>
-          <p:cNvCxnSpPr/>
+          <p:cNvCxnSpPr>
+            <a:cxnSpLocks/>
+          </p:cNvCxnSpPr>
           <p:nvPr/>
         </p:nvCxnSpPr>
         <p:spPr>
           <a:xfrm>
-            <a:off x="2420467" y="2813439"/>
-            <a:ext cx="2557087" cy="0"/>
+            <a:off x="1583175" y="4925989"/>
+            <a:ext cx="8774931" cy="0"/>
           </a:xfrm>
           <a:prstGeom prst="line">
             <a:avLst/>
@@ -3460,10 +3366,10 @@
       </p:cxnSp>
       <p:sp>
         <p:nvSpPr>
-          <p:cNvPr id="11" name="TextBox 10">
-            <a:extLst>
-              <a:ext uri="{FF2B5EF4-FFF2-40B4-BE49-F238E27FC236}">
-                <a16:creationId xmlns:a16="http://schemas.microsoft.com/office/drawing/2014/main" id="{32CD6975-298A-95D6-8691-861ADA903D0A}"/>
+          <p:cNvPr id="5" name="TextBox 4">
+            <a:extLst>
+              <a:ext uri="{FF2B5EF4-FFF2-40B4-BE49-F238E27FC236}">
+                <a16:creationId xmlns:a16="http://schemas.microsoft.com/office/drawing/2014/main" id="{59ABB5B0-F010-E66B-80C0-5D689F861A6C}"/>
               </a:ext>
             </a:extLst>
           </p:cNvPr>
@@ -3472,8 +3378,8 @@
         </p:nvSpPr>
         <p:spPr>
           <a:xfrm>
-            <a:off x="2340610" y="2842639"/>
-            <a:ext cx="2776220" cy="369332"/>
+            <a:off x="1260249" y="1143791"/>
+            <a:ext cx="496759" cy="938719"/>
           </a:xfrm>
           <a:prstGeom prst="rect">
             <a:avLst/>
@@ -3481,25 +3387,25 @@
           <a:noFill/>
         </p:spPr>
         <p:txBody>
-          <a:bodyPr wrap="square">
+          <a:bodyPr wrap="square" rtlCol="0">
             <a:spAutoFit/>
           </a:bodyPr>
           <a:lstStyle/>
           <a:p>
             <a:pPr algn="ctr"/>
             <a:r>
-              <a:rPr lang="en-US" kern="1000" spc="-50"/>
-              <a:t>D  X  Y  U  ^  @  X  E  S </a:t>
-            </a:r>
-          </a:p>
-        </p:txBody>
-      </p:sp>
-      <p:sp>
-        <p:nvSpPr>
-          <p:cNvPr id="12" name="TextBox 11">
-            <a:extLst>
-              <a:ext uri="{FF2B5EF4-FFF2-40B4-BE49-F238E27FC236}">
-                <a16:creationId xmlns:a16="http://schemas.microsoft.com/office/drawing/2014/main" id="{288AE703-B18F-02EB-3DC9-AD12BE1A554E}"/>
+              <a:rPr lang="en-US" sz="5500" dirty="0"/>
+              <a:t>^</a:t>
+            </a:r>
+          </a:p>
+        </p:txBody>
+      </p:sp>
+      <p:sp>
+        <p:nvSpPr>
+          <p:cNvPr id="17" name="TextBox 16">
+            <a:extLst>
+              <a:ext uri="{FF2B5EF4-FFF2-40B4-BE49-F238E27FC236}">
+                <a16:creationId xmlns:a16="http://schemas.microsoft.com/office/drawing/2014/main" id="{26B8BE08-AC53-DE0C-7811-C7F3CBCC0165}"/>
               </a:ext>
             </a:extLst>
           </p:cNvPr>
@@ -3508,8 +3414,8 @@
         </p:nvSpPr>
         <p:spPr>
           <a:xfrm>
-            <a:off x="2479731" y="2098809"/>
-            <a:ext cx="477058" cy="369332"/>
+            <a:off x="1617088" y="1553102"/>
+            <a:ext cx="8563265" cy="1077218"/>
           </a:xfrm>
           <a:prstGeom prst="rect">
             <a:avLst/>
@@ -3517,24 +3423,25 @@
           <a:noFill/>
         </p:spPr>
         <p:txBody>
-          <a:bodyPr wrap="square" rtlCol="0">
+          <a:bodyPr wrap="square">
             <a:spAutoFit/>
           </a:bodyPr>
           <a:lstStyle/>
           <a:p>
-            <a:r>
-              <a:rPr lang="en-US"/>
-              <a:t>^</a:t>
-            </a:r>
-          </a:p>
-        </p:txBody>
-      </p:sp>
-      <p:sp>
-        <p:nvSpPr>
-          <p:cNvPr id="13" name="TextBox 12">
-            <a:extLst>
-              <a:ext uri="{FF2B5EF4-FFF2-40B4-BE49-F238E27FC236}">
-                <a16:creationId xmlns:a16="http://schemas.microsoft.com/office/drawing/2014/main" id="{F32725ED-F7ED-7099-AF28-22E8182ADA55}"/>
+            <a:pPr algn="ctr"/>
+            <a:r>
+              <a:rPr lang="en-US" sz="6400" spc="-100" dirty="0"/>
+              <a:t>1  1  1  1  1  1  1  1  1</a:t>
+            </a:r>
+          </a:p>
+        </p:txBody>
+      </p:sp>
+      <p:sp>
+        <p:nvSpPr>
+          <p:cNvPr id="3" name="TextBox 2">
+            <a:extLst>
+              <a:ext uri="{FF2B5EF4-FFF2-40B4-BE49-F238E27FC236}">
+                <a16:creationId xmlns:a16="http://schemas.microsoft.com/office/drawing/2014/main" id="{6DBFB16A-25E9-505A-8818-6BBB0AB80B3B}"/>
               </a:ext>
             </a:extLst>
           </p:cNvPr>
@@ -3543,8 +3450,8 @@
         </p:nvSpPr>
         <p:spPr>
           <a:xfrm>
-            <a:off x="2479730" y="2414908"/>
-            <a:ext cx="477058" cy="369332"/>
+            <a:off x="1617086" y="2618858"/>
+            <a:ext cx="8563265" cy="1077218"/>
           </a:xfrm>
           <a:prstGeom prst="rect">
             <a:avLst/>
@@ -3552,13 +3459,770 @@
           <a:noFill/>
         </p:spPr>
         <p:txBody>
+          <a:bodyPr wrap="square">
+            <a:spAutoFit/>
+          </a:bodyPr>
+          <a:lstStyle/>
+          <a:p>
+            <a:pPr algn="ctr"/>
+            <a:r>
+              <a:rPr lang="en-US" sz="6400" spc="-100" dirty="0"/>
+              <a:t>2  2  2  2  2  2  2  2  2</a:t>
+            </a:r>
+          </a:p>
+        </p:txBody>
+      </p:sp>
+      <p:sp>
+        <p:nvSpPr>
+          <p:cNvPr id="4" name="TextBox 3">
+            <a:extLst>
+              <a:ext uri="{FF2B5EF4-FFF2-40B4-BE49-F238E27FC236}">
+                <a16:creationId xmlns:a16="http://schemas.microsoft.com/office/drawing/2014/main" id="{AE2BA1E7-8C93-ED3C-0147-008312E73C03}"/>
+              </a:ext>
+            </a:extLst>
+          </p:cNvPr>
+          <p:cNvSpPr txBox="1"/>
+          <p:nvPr/>
+        </p:nvSpPr>
+        <p:spPr>
+          <a:xfrm>
+            <a:off x="1617087" y="3684613"/>
+            <a:ext cx="8563265" cy="1077218"/>
+          </a:xfrm>
+          <a:prstGeom prst="rect">
+            <a:avLst/>
+          </a:prstGeom>
+          <a:noFill/>
+        </p:spPr>
+        <p:txBody>
+          <a:bodyPr wrap="square">
+            <a:spAutoFit/>
+          </a:bodyPr>
+          <a:lstStyle/>
+          <a:p>
+            <a:pPr algn="ctr"/>
+            <a:r>
+              <a:rPr lang="en-US" sz="6400" spc="-100" dirty="0"/>
+              <a:t>3  3  3  3  3  3  3  3  3</a:t>
+            </a:r>
+          </a:p>
+        </p:txBody>
+      </p:sp>
+      <p:sp>
+        <p:nvSpPr>
+          <p:cNvPr id="6" name="TextBox 5">
+            <a:extLst>
+              <a:ext uri="{FF2B5EF4-FFF2-40B4-BE49-F238E27FC236}">
+                <a16:creationId xmlns:a16="http://schemas.microsoft.com/office/drawing/2014/main" id="{DD07EDED-6855-DC84-9436-7A92314401CA}"/>
+              </a:ext>
+            </a:extLst>
+          </p:cNvPr>
+          <p:cNvSpPr txBox="1"/>
+          <p:nvPr/>
+        </p:nvSpPr>
+        <p:spPr>
+          <a:xfrm>
+            <a:off x="2669967" y="487347"/>
+            <a:ext cx="496759" cy="1077218"/>
+          </a:xfrm>
+          <a:prstGeom prst="rect">
+            <a:avLst/>
+          </a:prstGeom>
+          <a:noFill/>
+        </p:spPr>
+        <p:txBody>
+          <a:bodyPr wrap="square">
+            <a:spAutoFit/>
+          </a:bodyPr>
+          <a:lstStyle/>
+          <a:p>
+            <a:pPr algn="ctr"/>
+            <a:r>
+              <a:rPr lang="en-US" sz="6400" spc="-100" dirty="0"/>
+              <a:t>t</a:t>
+            </a:r>
+          </a:p>
+        </p:txBody>
+      </p:sp>
+      <p:sp>
+        <p:nvSpPr>
+          <p:cNvPr id="8" name="TextBox 7">
+            <a:extLst>
+              <a:ext uri="{FF2B5EF4-FFF2-40B4-BE49-F238E27FC236}">
+                <a16:creationId xmlns:a16="http://schemas.microsoft.com/office/drawing/2014/main" id="{A830FF94-CFB4-E943-3BF1-A5C9A0B9B50E}"/>
+              </a:ext>
+            </a:extLst>
+          </p:cNvPr>
+          <p:cNvSpPr txBox="1"/>
+          <p:nvPr/>
+        </p:nvSpPr>
+        <p:spPr>
+          <a:xfrm>
+            <a:off x="3412022" y="487347"/>
+            <a:ext cx="496759" cy="1077218"/>
+          </a:xfrm>
+          <a:prstGeom prst="rect">
+            <a:avLst/>
+          </a:prstGeom>
+          <a:noFill/>
+        </p:spPr>
+        <p:txBody>
+          <a:bodyPr wrap="square">
+            <a:spAutoFit/>
+          </a:bodyPr>
+          <a:lstStyle/>
+          <a:p>
+            <a:pPr algn="ctr"/>
+            <a:r>
+              <a:rPr lang="en-US" sz="6400" spc="-100" dirty="0"/>
+              <a:t>h</a:t>
+            </a:r>
+          </a:p>
+        </p:txBody>
+      </p:sp>
+      <p:sp>
+        <p:nvSpPr>
+          <p:cNvPr id="9" name="TextBox 8">
+            <a:extLst>
+              <a:ext uri="{FF2B5EF4-FFF2-40B4-BE49-F238E27FC236}">
+                <a16:creationId xmlns:a16="http://schemas.microsoft.com/office/drawing/2014/main" id="{027FBDD7-A531-54CF-7C7F-C195638F0A65}"/>
+              </a:ext>
+            </a:extLst>
+          </p:cNvPr>
+          <p:cNvSpPr txBox="1"/>
+          <p:nvPr/>
+        </p:nvSpPr>
+        <p:spPr>
+          <a:xfrm>
+            <a:off x="4137748" y="487347"/>
+            <a:ext cx="496759" cy="1077218"/>
+          </a:xfrm>
+          <a:prstGeom prst="rect">
+            <a:avLst/>
+          </a:prstGeom>
+          <a:noFill/>
+        </p:spPr>
+        <p:txBody>
+          <a:bodyPr wrap="square">
+            <a:spAutoFit/>
+          </a:bodyPr>
+          <a:lstStyle/>
+          <a:p>
+            <a:pPr algn="ctr"/>
+            <a:r>
+              <a:rPr lang="en-US" sz="6400" spc="-100" dirty="0"/>
+              <a:t>i</a:t>
+            </a:r>
+          </a:p>
+        </p:txBody>
+      </p:sp>
+      <p:sp>
+        <p:nvSpPr>
+          <p:cNvPr id="12" name="TextBox 11">
+            <a:extLst>
+              <a:ext uri="{FF2B5EF4-FFF2-40B4-BE49-F238E27FC236}">
+                <a16:creationId xmlns:a16="http://schemas.microsoft.com/office/drawing/2014/main" id="{88E9E91C-BD3B-1640-7D74-D5BBCDF5F715}"/>
+              </a:ext>
+            </a:extLst>
+          </p:cNvPr>
+          <p:cNvSpPr txBox="1"/>
+          <p:nvPr/>
+        </p:nvSpPr>
+        <p:spPr>
+          <a:xfrm>
+            <a:off x="4899494" y="480407"/>
+            <a:ext cx="496759" cy="1077218"/>
+          </a:xfrm>
+          <a:prstGeom prst="rect">
+            <a:avLst/>
+          </a:prstGeom>
+          <a:noFill/>
+        </p:spPr>
+        <p:txBody>
+          <a:bodyPr wrap="square">
+            <a:spAutoFit/>
+          </a:bodyPr>
+          <a:lstStyle/>
+          <a:p>
+            <a:pPr algn="ctr"/>
+            <a:r>
+              <a:rPr lang="en-US" sz="6400" spc="-100" dirty="0"/>
+              <a:t>e</a:t>
+            </a:r>
+          </a:p>
+        </p:txBody>
+      </p:sp>
+      <p:sp>
+        <p:nvSpPr>
+          <p:cNvPr id="13" name="TextBox 12">
+            <a:extLst>
+              <a:ext uri="{FF2B5EF4-FFF2-40B4-BE49-F238E27FC236}">
+                <a16:creationId xmlns:a16="http://schemas.microsoft.com/office/drawing/2014/main" id="{EF515613-0793-444F-424A-69A868ABA735}"/>
+              </a:ext>
+            </a:extLst>
+          </p:cNvPr>
+          <p:cNvSpPr txBox="1"/>
+          <p:nvPr/>
+        </p:nvSpPr>
+        <p:spPr>
+          <a:xfrm>
+            <a:off x="5625220" y="480407"/>
+            <a:ext cx="496759" cy="1077218"/>
+          </a:xfrm>
+          <a:prstGeom prst="rect">
+            <a:avLst/>
+          </a:prstGeom>
+          <a:noFill/>
+        </p:spPr>
+        <p:txBody>
+          <a:bodyPr wrap="square">
+            <a:spAutoFit/>
+          </a:bodyPr>
+          <a:lstStyle/>
+          <a:p>
+            <a:pPr algn="ctr"/>
+            <a:r>
+              <a:rPr lang="en-US" sz="6400" spc="-100" dirty="0"/>
+              <a:t>n</a:t>
+            </a:r>
+          </a:p>
+        </p:txBody>
+      </p:sp>
+      <p:sp>
+        <p:nvSpPr>
+          <p:cNvPr id="14" name="TextBox 13">
+            <a:extLst>
+              <a:ext uri="{FF2B5EF4-FFF2-40B4-BE49-F238E27FC236}">
+                <a16:creationId xmlns:a16="http://schemas.microsoft.com/office/drawing/2014/main" id="{184C7BAB-4833-DF74-F6F0-BFABCD1EDDA5}"/>
+              </a:ext>
+            </a:extLst>
+          </p:cNvPr>
+          <p:cNvSpPr txBox="1"/>
+          <p:nvPr/>
+        </p:nvSpPr>
+        <p:spPr>
+          <a:xfrm>
+            <a:off x="6386966" y="467950"/>
+            <a:ext cx="496759" cy="1077218"/>
+          </a:xfrm>
+          <a:prstGeom prst="rect">
+            <a:avLst/>
+          </a:prstGeom>
+          <a:noFill/>
+        </p:spPr>
+        <p:txBody>
+          <a:bodyPr wrap="square">
+            <a:spAutoFit/>
+          </a:bodyPr>
+          <a:lstStyle/>
+          <a:p>
+            <a:pPr algn="ctr"/>
+            <a:r>
+              <a:rPr lang="en-US" sz="6400" spc="-100" dirty="0"/>
+              <a:t>p</a:t>
+            </a:r>
+          </a:p>
+        </p:txBody>
+      </p:sp>
+      <p:sp>
+        <p:nvSpPr>
+          <p:cNvPr id="18" name="TextBox 17">
+            <a:extLst>
+              <a:ext uri="{FF2B5EF4-FFF2-40B4-BE49-F238E27FC236}">
+                <a16:creationId xmlns:a16="http://schemas.microsoft.com/office/drawing/2014/main" id="{E043B87F-4C6E-F876-10D8-C4A1C1DB8E4C}"/>
+              </a:ext>
+            </a:extLst>
+          </p:cNvPr>
+          <p:cNvSpPr txBox="1"/>
+          <p:nvPr/>
+        </p:nvSpPr>
+        <p:spPr>
+          <a:xfrm>
+            <a:off x="7129021" y="498809"/>
+            <a:ext cx="496759" cy="1077218"/>
+          </a:xfrm>
+          <a:prstGeom prst="rect">
+            <a:avLst/>
+          </a:prstGeom>
+          <a:noFill/>
+        </p:spPr>
+        <p:txBody>
+          <a:bodyPr wrap="square">
+            <a:spAutoFit/>
+          </a:bodyPr>
+          <a:lstStyle/>
+          <a:p>
+            <a:pPr algn="ctr"/>
+            <a:r>
+              <a:rPr lang="en-US" sz="6400" spc="-100" dirty="0"/>
+              <a:t>h</a:t>
+            </a:r>
+          </a:p>
+        </p:txBody>
+      </p:sp>
+      <p:sp>
+        <p:nvSpPr>
+          <p:cNvPr id="19" name="TextBox 18">
+            <a:extLst>
+              <a:ext uri="{FF2B5EF4-FFF2-40B4-BE49-F238E27FC236}">
+                <a16:creationId xmlns:a16="http://schemas.microsoft.com/office/drawing/2014/main" id="{90FD1E55-60B5-4A51-9EEC-591C404884E0}"/>
+              </a:ext>
+            </a:extLst>
+          </p:cNvPr>
+          <p:cNvSpPr txBox="1"/>
+          <p:nvPr/>
+        </p:nvSpPr>
+        <p:spPr>
+          <a:xfrm>
+            <a:off x="7871076" y="480407"/>
+            <a:ext cx="496759" cy="1077218"/>
+          </a:xfrm>
+          <a:prstGeom prst="rect">
+            <a:avLst/>
+          </a:prstGeom>
+          <a:noFill/>
+        </p:spPr>
+        <p:txBody>
+          <a:bodyPr wrap="square">
+            <a:spAutoFit/>
+          </a:bodyPr>
+          <a:lstStyle/>
+          <a:p>
+            <a:pPr algn="ctr"/>
+            <a:r>
+              <a:rPr lang="en-US" sz="6400" spc="-100" dirty="0"/>
+              <a:t>u</a:t>
+            </a:r>
+          </a:p>
+        </p:txBody>
+      </p:sp>
+      <p:sp>
+        <p:nvSpPr>
+          <p:cNvPr id="20" name="TextBox 19">
+            <a:extLst>
+              <a:ext uri="{FF2B5EF4-FFF2-40B4-BE49-F238E27FC236}">
+                <a16:creationId xmlns:a16="http://schemas.microsoft.com/office/drawing/2014/main" id="{FB012ACE-4DDD-CDC4-DE2F-A6D84010350B}"/>
+              </a:ext>
+            </a:extLst>
+          </p:cNvPr>
+          <p:cNvSpPr txBox="1"/>
+          <p:nvPr/>
+        </p:nvSpPr>
+        <p:spPr>
+          <a:xfrm>
+            <a:off x="8613131" y="467950"/>
+            <a:ext cx="496759" cy="1077218"/>
+          </a:xfrm>
+          <a:prstGeom prst="rect">
+            <a:avLst/>
+          </a:prstGeom>
+          <a:noFill/>
+        </p:spPr>
+        <p:txBody>
+          <a:bodyPr wrap="square">
+            <a:spAutoFit/>
+          </a:bodyPr>
+          <a:lstStyle/>
+          <a:p>
+            <a:pPr algn="ctr"/>
+            <a:r>
+              <a:rPr lang="en-US" sz="6400" spc="-100" dirty="0"/>
+              <a:t>c</a:t>
+            </a:r>
+          </a:p>
+        </p:txBody>
+      </p:sp>
+      <p:sp>
+        <p:nvSpPr>
+          <p:cNvPr id="21" name="TextBox 20">
+            <a:extLst>
+              <a:ext uri="{FF2B5EF4-FFF2-40B4-BE49-F238E27FC236}">
+                <a16:creationId xmlns:a16="http://schemas.microsoft.com/office/drawing/2014/main" id="{CAE64094-3224-E0D8-4442-4F6DDB4FA2A4}"/>
+              </a:ext>
+            </a:extLst>
+          </p:cNvPr>
+          <p:cNvSpPr txBox="1"/>
+          <p:nvPr/>
+        </p:nvSpPr>
+        <p:spPr>
+          <a:xfrm>
+            <a:off x="2669967" y="4945386"/>
+            <a:ext cx="496759" cy="1077218"/>
+          </a:xfrm>
+          <a:prstGeom prst="rect">
+            <a:avLst/>
+          </a:prstGeom>
+          <a:noFill/>
+        </p:spPr>
+        <p:txBody>
+          <a:bodyPr wrap="square">
+            <a:spAutoFit/>
+          </a:bodyPr>
+          <a:lstStyle/>
+          <a:p>
+            <a:pPr algn="ctr"/>
+            <a:r>
+              <a:rPr lang="en-US" sz="6400" spc="-100" dirty="0"/>
+              <a:t>D</a:t>
+            </a:r>
+          </a:p>
+        </p:txBody>
+      </p:sp>
+      <p:sp>
+        <p:nvSpPr>
+          <p:cNvPr id="22" name="TextBox 21">
+            <a:extLst>
+              <a:ext uri="{FF2B5EF4-FFF2-40B4-BE49-F238E27FC236}">
+                <a16:creationId xmlns:a16="http://schemas.microsoft.com/office/drawing/2014/main" id="{9711198C-6918-B7E7-642A-D368DE467A3C}"/>
+              </a:ext>
+            </a:extLst>
+          </p:cNvPr>
+          <p:cNvSpPr txBox="1"/>
+          <p:nvPr/>
+        </p:nvSpPr>
+        <p:spPr>
+          <a:xfrm>
+            <a:off x="3412022" y="4945386"/>
+            <a:ext cx="496759" cy="1077218"/>
+          </a:xfrm>
+          <a:prstGeom prst="rect">
+            <a:avLst/>
+          </a:prstGeom>
+          <a:noFill/>
+        </p:spPr>
+        <p:txBody>
+          <a:bodyPr wrap="square">
+            <a:spAutoFit/>
+          </a:bodyPr>
+          <a:lstStyle/>
+          <a:p>
+            <a:pPr algn="ctr"/>
+            <a:r>
+              <a:rPr lang="en-US" sz="6400" spc="-100" dirty="0"/>
+              <a:t>X</a:t>
+            </a:r>
+          </a:p>
+        </p:txBody>
+      </p:sp>
+      <p:sp>
+        <p:nvSpPr>
+          <p:cNvPr id="23" name="TextBox 22">
+            <a:extLst>
+              <a:ext uri="{FF2B5EF4-FFF2-40B4-BE49-F238E27FC236}">
+                <a16:creationId xmlns:a16="http://schemas.microsoft.com/office/drawing/2014/main" id="{09D4282C-ED62-0010-278A-5D5B4259E63F}"/>
+              </a:ext>
+            </a:extLst>
+          </p:cNvPr>
+          <p:cNvSpPr txBox="1"/>
+          <p:nvPr/>
+        </p:nvSpPr>
+        <p:spPr>
+          <a:xfrm>
+            <a:off x="4137748" y="4945386"/>
+            <a:ext cx="496759" cy="1077218"/>
+          </a:xfrm>
+          <a:prstGeom prst="rect">
+            <a:avLst/>
+          </a:prstGeom>
+          <a:noFill/>
+        </p:spPr>
+        <p:txBody>
+          <a:bodyPr wrap="square">
+            <a:spAutoFit/>
+          </a:bodyPr>
+          <a:lstStyle/>
+          <a:p>
+            <a:pPr algn="ctr"/>
+            <a:r>
+              <a:rPr lang="en-US" sz="6400" spc="-100" dirty="0"/>
+              <a:t>Y</a:t>
+            </a:r>
+          </a:p>
+        </p:txBody>
+      </p:sp>
+      <p:sp>
+        <p:nvSpPr>
+          <p:cNvPr id="24" name="TextBox 23">
+            <a:extLst>
+              <a:ext uri="{FF2B5EF4-FFF2-40B4-BE49-F238E27FC236}">
+                <a16:creationId xmlns:a16="http://schemas.microsoft.com/office/drawing/2014/main" id="{8093239C-5144-9220-9EB7-23B485BEF205}"/>
+              </a:ext>
+            </a:extLst>
+          </p:cNvPr>
+          <p:cNvSpPr txBox="1"/>
+          <p:nvPr/>
+        </p:nvSpPr>
+        <p:spPr>
+          <a:xfrm>
+            <a:off x="4899494" y="4938446"/>
+            <a:ext cx="496759" cy="1077218"/>
+          </a:xfrm>
+          <a:prstGeom prst="rect">
+            <a:avLst/>
+          </a:prstGeom>
+          <a:noFill/>
+        </p:spPr>
+        <p:txBody>
+          <a:bodyPr wrap="square">
+            <a:spAutoFit/>
+          </a:bodyPr>
+          <a:lstStyle/>
+          <a:p>
+            <a:pPr algn="ctr"/>
+            <a:r>
+              <a:rPr lang="en-US" sz="6400" spc="-100" dirty="0"/>
+              <a:t>U</a:t>
+            </a:r>
+          </a:p>
+        </p:txBody>
+      </p:sp>
+      <p:sp>
+        <p:nvSpPr>
+          <p:cNvPr id="25" name="TextBox 24">
+            <a:extLst>
+              <a:ext uri="{FF2B5EF4-FFF2-40B4-BE49-F238E27FC236}">
+                <a16:creationId xmlns:a16="http://schemas.microsoft.com/office/drawing/2014/main" id="{BD4B7045-3837-F67D-5F62-ECA16CEE1D7C}"/>
+              </a:ext>
+            </a:extLst>
+          </p:cNvPr>
+          <p:cNvSpPr txBox="1"/>
+          <p:nvPr/>
+        </p:nvSpPr>
+        <p:spPr>
+          <a:xfrm>
+            <a:off x="5625220" y="4938446"/>
+            <a:ext cx="496759" cy="1077218"/>
+          </a:xfrm>
+          <a:prstGeom prst="rect">
+            <a:avLst/>
+          </a:prstGeom>
+          <a:noFill/>
+        </p:spPr>
+        <p:txBody>
+          <a:bodyPr wrap="square">
+            <a:spAutoFit/>
+          </a:bodyPr>
+          <a:lstStyle/>
+          <a:p>
+            <a:pPr algn="ctr"/>
+            <a:r>
+              <a:rPr lang="en-US" sz="6400" spc="-100" dirty="0"/>
+              <a:t>^</a:t>
+            </a:r>
+          </a:p>
+        </p:txBody>
+      </p:sp>
+      <p:sp>
+        <p:nvSpPr>
+          <p:cNvPr id="26" name="TextBox 25">
+            <a:extLst>
+              <a:ext uri="{FF2B5EF4-FFF2-40B4-BE49-F238E27FC236}">
+                <a16:creationId xmlns:a16="http://schemas.microsoft.com/office/drawing/2014/main" id="{80DF5B37-97F2-512C-3659-5607BB71A83C}"/>
+              </a:ext>
+            </a:extLst>
+          </p:cNvPr>
+          <p:cNvSpPr txBox="1"/>
+          <p:nvPr/>
+        </p:nvSpPr>
+        <p:spPr>
+          <a:xfrm>
+            <a:off x="6386966" y="4925989"/>
+            <a:ext cx="496759" cy="1077218"/>
+          </a:xfrm>
+          <a:prstGeom prst="rect">
+            <a:avLst/>
+          </a:prstGeom>
+          <a:noFill/>
+        </p:spPr>
+        <p:txBody>
+          <a:bodyPr wrap="square">
+            <a:spAutoFit/>
+          </a:bodyPr>
+          <a:lstStyle/>
+          <a:p>
+            <a:pPr algn="ctr"/>
+            <a:r>
+              <a:rPr lang="en-US" sz="6400" spc="-100" dirty="0"/>
+              <a:t>@</a:t>
+            </a:r>
+          </a:p>
+        </p:txBody>
+      </p:sp>
+      <p:sp>
+        <p:nvSpPr>
+          <p:cNvPr id="27" name="TextBox 26">
+            <a:extLst>
+              <a:ext uri="{FF2B5EF4-FFF2-40B4-BE49-F238E27FC236}">
+                <a16:creationId xmlns:a16="http://schemas.microsoft.com/office/drawing/2014/main" id="{3EAC344C-4570-9540-3685-8C550FFBD02C}"/>
+              </a:ext>
+            </a:extLst>
+          </p:cNvPr>
+          <p:cNvSpPr txBox="1"/>
+          <p:nvPr/>
+        </p:nvSpPr>
+        <p:spPr>
+          <a:xfrm>
+            <a:off x="7129021" y="4956848"/>
+            <a:ext cx="496759" cy="1077218"/>
+          </a:xfrm>
+          <a:prstGeom prst="rect">
+            <a:avLst/>
+          </a:prstGeom>
+          <a:noFill/>
+        </p:spPr>
+        <p:txBody>
+          <a:bodyPr wrap="square">
+            <a:spAutoFit/>
+          </a:bodyPr>
+          <a:lstStyle/>
+          <a:p>
+            <a:pPr algn="ctr"/>
+            <a:r>
+              <a:rPr lang="en-US" sz="6400" spc="-100" dirty="0"/>
+              <a:t>X</a:t>
+            </a:r>
+          </a:p>
+        </p:txBody>
+      </p:sp>
+      <p:sp>
+        <p:nvSpPr>
+          <p:cNvPr id="28" name="TextBox 27">
+            <a:extLst>
+              <a:ext uri="{FF2B5EF4-FFF2-40B4-BE49-F238E27FC236}">
+                <a16:creationId xmlns:a16="http://schemas.microsoft.com/office/drawing/2014/main" id="{63FD16DA-41F3-360C-8C2E-3FDF18856597}"/>
+              </a:ext>
+            </a:extLst>
+          </p:cNvPr>
+          <p:cNvSpPr txBox="1"/>
+          <p:nvPr/>
+        </p:nvSpPr>
+        <p:spPr>
+          <a:xfrm>
+            <a:off x="7871076" y="4938446"/>
+            <a:ext cx="496759" cy="1077218"/>
+          </a:xfrm>
+          <a:prstGeom prst="rect">
+            <a:avLst/>
+          </a:prstGeom>
+          <a:noFill/>
+        </p:spPr>
+        <p:txBody>
+          <a:bodyPr wrap="square">
+            <a:spAutoFit/>
+          </a:bodyPr>
+          <a:lstStyle/>
+          <a:p>
+            <a:pPr algn="ctr"/>
+            <a:r>
+              <a:rPr lang="en-US" sz="6400" spc="-100" dirty="0"/>
+              <a:t>E</a:t>
+            </a:r>
+          </a:p>
+        </p:txBody>
+      </p:sp>
+      <p:sp>
+        <p:nvSpPr>
+          <p:cNvPr id="29" name="TextBox 28">
+            <a:extLst>
+              <a:ext uri="{FF2B5EF4-FFF2-40B4-BE49-F238E27FC236}">
+                <a16:creationId xmlns:a16="http://schemas.microsoft.com/office/drawing/2014/main" id="{714335E1-3610-C7B7-1735-E07669CCDB24}"/>
+              </a:ext>
+            </a:extLst>
+          </p:cNvPr>
+          <p:cNvSpPr txBox="1"/>
+          <p:nvPr/>
+        </p:nvSpPr>
+        <p:spPr>
+          <a:xfrm>
+            <a:off x="8613131" y="4925989"/>
+            <a:ext cx="496759" cy="1077218"/>
+          </a:xfrm>
+          <a:prstGeom prst="rect">
+            <a:avLst/>
+          </a:prstGeom>
+          <a:noFill/>
+        </p:spPr>
+        <p:txBody>
+          <a:bodyPr wrap="square">
+            <a:spAutoFit/>
+          </a:bodyPr>
+          <a:lstStyle/>
+          <a:p>
+            <a:pPr algn="ctr"/>
+            <a:r>
+              <a:rPr lang="en-US" sz="6400" spc="-100" dirty="0"/>
+              <a:t>S</a:t>
+            </a:r>
+          </a:p>
+        </p:txBody>
+      </p:sp>
+      <p:sp>
+        <p:nvSpPr>
+          <p:cNvPr id="30" name="TextBox 29">
+            <a:extLst>
+              <a:ext uri="{FF2B5EF4-FFF2-40B4-BE49-F238E27FC236}">
+                <a16:creationId xmlns:a16="http://schemas.microsoft.com/office/drawing/2014/main" id="{BB50CB32-FF3E-B84C-39E8-F66CC4D35E58}"/>
+              </a:ext>
+            </a:extLst>
+          </p:cNvPr>
+          <p:cNvSpPr txBox="1"/>
+          <p:nvPr/>
+        </p:nvSpPr>
+        <p:spPr>
+          <a:xfrm>
+            <a:off x="1260249" y="2282350"/>
+            <a:ext cx="496759" cy="938719"/>
+          </a:xfrm>
+          <a:prstGeom prst="rect">
+            <a:avLst/>
+          </a:prstGeom>
+          <a:noFill/>
+        </p:spPr>
+        <p:txBody>
           <a:bodyPr wrap="square" rtlCol="0">
             <a:spAutoFit/>
           </a:bodyPr>
           <a:lstStyle/>
           <a:p>
-            <a:r>
-              <a:rPr lang="en-US"/>
+            <a:pPr algn="ctr"/>
+            <a:r>
+              <a:rPr lang="en-US" sz="5500" dirty="0"/>
+              <a:t>^</a:t>
+            </a:r>
+          </a:p>
+        </p:txBody>
+      </p:sp>
+      <p:sp>
+        <p:nvSpPr>
+          <p:cNvPr id="31" name="TextBox 30">
+            <a:extLst>
+              <a:ext uri="{FF2B5EF4-FFF2-40B4-BE49-F238E27FC236}">
+                <a16:creationId xmlns:a16="http://schemas.microsoft.com/office/drawing/2014/main" id="{F104A1E9-CF17-8A92-36DC-B754DBA413E1}"/>
+              </a:ext>
+            </a:extLst>
+          </p:cNvPr>
+          <p:cNvSpPr txBox="1"/>
+          <p:nvPr/>
+        </p:nvSpPr>
+        <p:spPr>
+          <a:xfrm>
+            <a:off x="1260249" y="3345918"/>
+            <a:ext cx="496759" cy="938719"/>
+          </a:xfrm>
+          <a:prstGeom prst="rect">
+            <a:avLst/>
+          </a:prstGeom>
+          <a:noFill/>
+        </p:spPr>
+        <p:txBody>
+          <a:bodyPr wrap="square" rtlCol="0">
+            <a:spAutoFit/>
+          </a:bodyPr>
+          <a:lstStyle/>
+          <a:p>
+            <a:pPr algn="ctr"/>
+            <a:r>
+              <a:rPr lang="en-US" sz="5500" dirty="0"/>
               <a:t>^</a:t>
             </a:r>
           </a:p>
